--- a/Presentation/MakerSpace-1.pptx
+++ b/Presentation/MakerSpace-1.pptx
@@ -605,7 +605,7 @@
           <a:p>
             <a:fld id="{EA0C0817-A112-4847-8014-A94B7D2A4EA3}" type="datetime1">
               <a:rPr lang="en-US" smtClean="0"/>
-              <a:t>3/1/2020</a:t>
+              <a:t>3/2/2020</a:t>
             </a:fld>
             <a:endParaRPr lang="en-US" dirty="0"/>
           </a:p>
@@ -807,7 +807,7 @@
           <a:p>
             <a:fld id="{134F40B7-36AB-4376-BE14-EF7004D79BB9}" type="datetime1">
               <a:rPr lang="en-US" smtClean="0"/>
-              <a:t>3/1/2020</a:t>
+              <a:t>3/2/2020</a:t>
             </a:fld>
             <a:endParaRPr lang="en-US"/>
           </a:p>
@@ -987,7 +987,7 @@
           <a:p>
             <a:fld id="{FF87CAB8-DCAE-46A5-AADA-B3FAD11A54E0}" type="datetime1">
               <a:rPr lang="en-US" smtClean="0"/>
-              <a:t>3/1/2020</a:t>
+              <a:t>3/2/2020</a:t>
             </a:fld>
             <a:endParaRPr lang="en-US"/>
           </a:p>
@@ -1157,7 +1157,7 @@
           <a:p>
             <a:fld id="{7332B432-ACDA-4023-A761-2BAB76577B62}" type="datetime1">
               <a:rPr lang="en-US" smtClean="0"/>
-              <a:t>3/1/2020</a:t>
+              <a:t>3/2/2020</a:t>
             </a:fld>
             <a:endParaRPr lang="en-US"/>
           </a:p>
@@ -1756,7 +1756,7 @@
           <a:p>
             <a:fld id="{D9C646AA-F36E-4540-911D-FFFC0A0EF24A}" type="datetime1">
               <a:rPr lang="en-US" smtClean="0"/>
-              <a:t>3/1/2020</a:t>
+              <a:t>3/2/2020</a:t>
             </a:fld>
             <a:endParaRPr lang="en-US" dirty="0"/>
           </a:p>
@@ -2076,7 +2076,7 @@
           <a:p>
             <a:fld id="{69186D26-FA5F-4637-B602-B7C2DC34CFD4}" type="datetime1">
               <a:rPr lang="en-US" smtClean="0"/>
-              <a:t>3/1/2020</a:t>
+              <a:t>3/2/2020</a:t>
             </a:fld>
             <a:endParaRPr lang="en-US"/>
           </a:p>
@@ -2513,7 +2513,7 @@
           <a:p>
             <a:fld id="{8A7F15D8-96D1-4781-BC50-CA8A088B2FE4}" type="datetime1">
               <a:rPr lang="en-US" smtClean="0"/>
-              <a:t>3/1/2020</a:t>
+              <a:t>3/2/2020</a:t>
             </a:fld>
             <a:endParaRPr lang="en-US"/>
           </a:p>
@@ -2631,7 +2631,7 @@
           <a:p>
             <a:fld id="{F9A96C99-B8F8-4528-BD05-0E16E943DC09}" type="datetime1">
               <a:rPr lang="en-US" smtClean="0"/>
-              <a:t>3/1/2020</a:t>
+              <a:t>3/2/2020</a:t>
             </a:fld>
             <a:endParaRPr lang="en-US"/>
           </a:p>
@@ -2726,7 +2726,7 @@
           <a:p>
             <a:fld id="{03636942-C211-4B28-8DBD-C953E00AF71B}" type="datetime1">
               <a:rPr lang="en-US" smtClean="0"/>
-              <a:t>3/1/2020</a:t>
+              <a:t>3/2/2020</a:t>
             </a:fld>
             <a:endParaRPr lang="en-US"/>
           </a:p>
@@ -3143,7 +3143,7 @@
           <a:p>
             <a:fld id="{7E8D12A6-918A-48BD-8CB9-CA713993B0EA}" type="datetime1">
               <a:rPr lang="en-US" smtClean="0"/>
-              <a:t>3/1/2020</a:t>
+              <a:t>3/2/2020</a:t>
             </a:fld>
             <a:endParaRPr lang="en-US"/>
           </a:p>
@@ -3405,7 +3405,7 @@
             <a:fld id="{E778CE86-875F-4587-BCF6-FA054AFC0D53}" type="datetime1">
               <a:rPr lang="en-US" smtClean="0"/>
               <a:pPr/>
-              <a:t>3/1/2020</a:t>
+              <a:t>3/2/2020</a:t>
             </a:fld>
             <a:endParaRPr lang="en-US" dirty="0"/>
           </a:p>
@@ -3921,7 +3921,7 @@
           <a:p>
             <a:fld id="{F6FA2B21-3FCD-4721-B95C-427943F61125}" type="datetime1">
               <a:rPr lang="en-US" smtClean="0"/>
-              <a:t>3/1/2020</a:t>
+              <a:t>3/2/2020</a:t>
             </a:fld>
             <a:endParaRPr lang="en-US"/>
           </a:p>
@@ -4735,7 +4735,10 @@
               <a:rPr lang="en-US" dirty="0"/>
               <a:t>Responsible for designing a making the website look presentable </a:t>
             </a:r>
-            <a:endParaRPr lang="en-US"/>
+            <a:br>
+              <a:rPr lang="en-US" dirty="0"/>
+            </a:br>
+            <a:endParaRPr lang="en-US" dirty="0"/>
           </a:p>
           <a:p>
             <a:r>
@@ -4799,7 +4802,10 @@
           <a:bodyPr/>
           <a:lstStyle/>
           <a:p>
-            <a:endParaRPr lang="en-US"/>
+            <a:r>
+              <a:rPr lang="en-US" dirty="0"/>
+              <a:t>What we’re using</a:t>
+            </a:r>
           </a:p>
         </p:txBody>
       </p:sp>
@@ -4824,7 +4830,40 @@
           <a:bodyPr/>
           <a:lstStyle/>
           <a:p>
-            <a:endParaRPr lang="en-US"/>
+            <a:r>
+              <a:rPr lang="en-US" dirty="0"/>
+              <a:t>Python</a:t>
+            </a:r>
+            <a:br>
+              <a:rPr lang="en-US" dirty="0"/>
+            </a:br>
+            <a:endParaRPr lang="en-US" dirty="0"/>
+          </a:p>
+          <a:p>
+            <a:r>
+              <a:rPr lang="en-US" dirty="0"/>
+              <a:t>Flask</a:t>
+            </a:r>
+            <a:br>
+              <a:rPr lang="en-US" dirty="0"/>
+            </a:br>
+            <a:endParaRPr lang="en-US" dirty="0"/>
+          </a:p>
+          <a:p>
+            <a:r>
+              <a:rPr lang="en-US" dirty="0"/>
+              <a:t>SQLite</a:t>
+            </a:r>
+            <a:br>
+              <a:rPr lang="en-US" dirty="0"/>
+            </a:br>
+            <a:endParaRPr lang="en-US" dirty="0"/>
+          </a:p>
+          <a:p>
+            <a:r>
+              <a:rPr lang="en-US" dirty="0"/>
+              <a:t>Bootstrap/ HTML</a:t>
+            </a:r>
           </a:p>
         </p:txBody>
       </p:sp>
@@ -4879,7 +4918,10 @@
           <a:bodyPr/>
           <a:lstStyle/>
           <a:p>
-            <a:endParaRPr lang="en-US"/>
+            <a:r>
+              <a:rPr lang="en-US" dirty="0"/>
+              <a:t>Python</a:t>
+            </a:r>
           </a:p>
         </p:txBody>
       </p:sp>
@@ -4904,10 +4946,59 @@
           <a:bodyPr/>
           <a:lstStyle/>
           <a:p>
-            <a:endParaRPr lang="en-US"/>
-          </a:p>
-        </p:txBody>
-      </p:sp>
+            <a:r>
+              <a:rPr lang="en-US" dirty="0"/>
+              <a:t>Used for logic and processing</a:t>
+            </a:r>
+            <a:br>
+              <a:rPr lang="en-US" dirty="0"/>
+            </a:br>
+            <a:endParaRPr lang="en-US" dirty="0"/>
+          </a:p>
+          <a:p>
+            <a:r>
+              <a:rPr lang="en-US" dirty="0"/>
+              <a:t>Pass information back and forth</a:t>
+            </a:r>
+          </a:p>
+        </p:txBody>
+      </p:sp>
+      <p:pic>
+        <p:nvPicPr>
+          <p:cNvPr id="5" name="Picture 4" descr="A screenshot of a computer screen&#10;&#10;Description automatically generated">
+            <a:extLst>
+              <a:ext uri="{FF2B5EF4-FFF2-40B4-BE49-F238E27FC236}">
+                <a16:creationId xmlns:a16="http://schemas.microsoft.com/office/drawing/2014/main" id="{FBED717A-55B0-4A90-B6A4-84D6ABE65ED4}"/>
+              </a:ext>
+            </a:extLst>
+          </p:cNvPr>
+          <p:cNvPicPr>
+            <a:picLocks noChangeAspect="1"/>
+          </p:cNvPicPr>
+          <p:nvPr/>
+        </p:nvPicPr>
+        <p:blipFill>
+          <a:blip r:embed="rId2">
+            <a:extLst>
+              <a:ext uri="{28A0092B-C50C-407E-A947-70E740481C1C}">
+                <a14:useLocalDpi xmlns:a14="http://schemas.microsoft.com/office/drawing/2010/main" val="0"/>
+              </a:ext>
+            </a:extLst>
+          </a:blip>
+          <a:stretch>
+            <a:fillRect/>
+          </a:stretch>
+        </p:blipFill>
+        <p:spPr>
+          <a:xfrm>
+            <a:off x="4601300" y="2930906"/>
+            <a:ext cx="7095400" cy="3438144"/>
+          </a:xfrm>
+          <a:prstGeom prst="rect">
+            <a:avLst/>
+          </a:prstGeom>
+        </p:spPr>
+      </p:pic>
     </p:spTree>
     <p:extLst>
       <p:ext uri="{BB962C8B-B14F-4D97-AF65-F5344CB8AC3E}">
@@ -4959,7 +5050,10 @@
           <a:bodyPr/>
           <a:lstStyle/>
           <a:p>
-            <a:endParaRPr lang="en-US"/>
+            <a:r>
+              <a:rPr lang="en-US" dirty="0"/>
+              <a:t>Flask</a:t>
+            </a:r>
           </a:p>
         </p:txBody>
       </p:sp>
@@ -4984,10 +5078,69 @@
           <a:bodyPr/>
           <a:lstStyle/>
           <a:p>
-            <a:endParaRPr lang="en-US"/>
-          </a:p>
-        </p:txBody>
-      </p:sp>
+            <a:r>
+              <a:rPr lang="en-US" dirty="0"/>
+              <a:t>Used to patch Python and HTML</a:t>
+            </a:r>
+            <a:br>
+              <a:rPr lang="en-US" dirty="0"/>
+            </a:br>
+            <a:endParaRPr lang="en-US" dirty="0"/>
+          </a:p>
+          <a:p>
+            <a:r>
+              <a:rPr lang="en-US" dirty="0"/>
+              <a:t>Handles routing users through the site</a:t>
+            </a:r>
+            <a:br>
+              <a:rPr lang="en-US" dirty="0"/>
+            </a:br>
+            <a:endParaRPr lang="en-US" dirty="0"/>
+          </a:p>
+          <a:p>
+            <a:r>
+              <a:rPr lang="en-US" dirty="0"/>
+              <a:t>Manages login status and session information</a:t>
+            </a:r>
+          </a:p>
+        </p:txBody>
+      </p:sp>
+      <p:pic>
+        <p:nvPicPr>
+          <p:cNvPr id="5" name="Picture 4" descr="A screenshot of a cell phone&#10;&#10;Description automatically generated">
+            <a:extLst>
+              <a:ext uri="{FF2B5EF4-FFF2-40B4-BE49-F238E27FC236}">
+                <a16:creationId xmlns:a16="http://schemas.microsoft.com/office/drawing/2014/main" id="{D262BE6C-FEA4-4467-903F-D990FC4AB8CC}"/>
+              </a:ext>
+            </a:extLst>
+          </p:cNvPr>
+          <p:cNvPicPr>
+            <a:picLocks noChangeAspect="1"/>
+          </p:cNvPicPr>
+          <p:nvPr/>
+        </p:nvPicPr>
+        <p:blipFill>
+          <a:blip r:embed="rId2">
+            <a:extLst>
+              <a:ext uri="{28A0092B-C50C-407E-A947-70E740481C1C}">
+                <a14:useLocalDpi xmlns:a14="http://schemas.microsoft.com/office/drawing/2010/main" val="0"/>
+              </a:ext>
+            </a:extLst>
+          </a:blip>
+          <a:stretch>
+            <a:fillRect/>
+          </a:stretch>
+        </p:blipFill>
+        <p:spPr>
+          <a:xfrm>
+            <a:off x="5723155" y="429405"/>
+            <a:ext cx="5647889" cy="5907895"/>
+          </a:xfrm>
+          <a:prstGeom prst="rect">
+            <a:avLst/>
+          </a:prstGeom>
+        </p:spPr>
+      </p:pic>
     </p:spTree>
     <p:extLst>
       <p:ext uri="{BB962C8B-B14F-4D97-AF65-F5344CB8AC3E}">
@@ -5039,7 +5192,10 @@
           <a:bodyPr/>
           <a:lstStyle/>
           <a:p>
-            <a:endParaRPr lang="en-US"/>
+            <a:r>
+              <a:rPr lang="en-US" dirty="0"/>
+              <a:t>SQLite</a:t>
+            </a:r>
           </a:p>
         </p:txBody>
       </p:sp>
@@ -5064,7 +5220,34 @@
           <a:bodyPr/>
           <a:lstStyle/>
           <a:p>
-            <a:endParaRPr lang="en-US"/>
+            <a:r>
+              <a:rPr lang="en-US" dirty="0"/>
+              <a:t>Database structure</a:t>
+            </a:r>
+            <a:br>
+              <a:rPr lang="en-US" dirty="0"/>
+            </a:br>
+            <a:endParaRPr lang="en-US" dirty="0"/>
+          </a:p>
+          <a:p>
+            <a:r>
+              <a:rPr lang="en-US" dirty="0"/>
+              <a:t>Queries sent by Python to manage/work the </a:t>
+            </a:r>
+            <a:r>
+              <a:rPr lang="en-US" dirty="0" err="1"/>
+              <a:t>db</a:t>
+            </a:r>
+            <a:br>
+              <a:rPr lang="en-US" dirty="0"/>
+            </a:br>
+            <a:endParaRPr lang="en-US" dirty="0"/>
+          </a:p>
+          <a:p>
+            <a:r>
+              <a:rPr lang="en-US" dirty="0"/>
+              <a:t>Stores and returns data based on program needs</a:t>
+            </a:r>
           </a:p>
         </p:txBody>
       </p:sp>
@@ -5119,7 +5302,10 @@
           <a:bodyPr/>
           <a:lstStyle/>
           <a:p>
-            <a:endParaRPr lang="en-US"/>
+            <a:r>
+              <a:rPr lang="en-US" dirty="0"/>
+              <a:t>Bootstrap/HTML</a:t>
+            </a:r>
           </a:p>
         </p:txBody>
       </p:sp>
@@ -5144,10 +5330,65 @@
           <a:bodyPr/>
           <a:lstStyle/>
           <a:p>
-            <a:endParaRPr lang="en-US"/>
-          </a:p>
-        </p:txBody>
-      </p:sp>
+            <a:r>
+              <a:rPr lang="en-US" dirty="0"/>
+              <a:t>HTML is the website displaying in browser</a:t>
+            </a:r>
+            <a:br>
+              <a:rPr lang="en-US" dirty="0"/>
+            </a:br>
+            <a:endParaRPr lang="en-US" dirty="0"/>
+          </a:p>
+          <a:p>
+            <a:r>
+              <a:rPr lang="en-US" dirty="0"/>
+              <a:t>Bootstrap to arrange </a:t>
+            </a:r>
+          </a:p>
+          <a:p>
+            <a:pPr marL="0" indent="0">
+              <a:buNone/>
+            </a:pPr>
+            <a:endParaRPr lang="en-US" dirty="0"/>
+          </a:p>
+        </p:txBody>
+      </p:sp>
+      <p:pic>
+        <p:nvPicPr>
+          <p:cNvPr id="5" name="Picture 4" descr="A screenshot of a cell phone&#10;&#10;Description automatically generated">
+            <a:extLst>
+              <a:ext uri="{FF2B5EF4-FFF2-40B4-BE49-F238E27FC236}">
+                <a16:creationId xmlns:a16="http://schemas.microsoft.com/office/drawing/2014/main" id="{2696F4E8-B0DC-4F58-8E35-B5F4E579ADD2}"/>
+              </a:ext>
+            </a:extLst>
+          </p:cNvPr>
+          <p:cNvPicPr>
+            <a:picLocks noChangeAspect="1"/>
+          </p:cNvPicPr>
+          <p:nvPr/>
+        </p:nvPicPr>
+        <p:blipFill>
+          <a:blip r:embed="rId2">
+            <a:extLst>
+              <a:ext uri="{28A0092B-C50C-407E-A947-70E740481C1C}">
+                <a14:useLocalDpi xmlns:a14="http://schemas.microsoft.com/office/drawing/2010/main" val="0"/>
+              </a:ext>
+            </a:extLst>
+          </a:blip>
+          <a:stretch>
+            <a:fillRect/>
+          </a:stretch>
+        </p:blipFill>
+        <p:spPr>
+          <a:xfrm>
+            <a:off x="4483100" y="2464574"/>
+            <a:ext cx="7260598" cy="3938550"/>
+          </a:xfrm>
+          <a:prstGeom prst="rect">
+            <a:avLst/>
+          </a:prstGeom>
+        </p:spPr>
+      </p:pic>
     </p:spTree>
     <p:extLst>
       <p:ext uri="{BB962C8B-B14F-4D97-AF65-F5344CB8AC3E}">
@@ -5517,6 +5758,10 @@
               <a:rPr lang="en-US" sz="1800" dirty="0"/>
               <a:t>The overall program at the end will be the full working systems needed for a maker space to function.</a:t>
             </a:r>
+            <a:br>
+              <a:rPr lang="en-US" sz="1800" dirty="0"/>
+            </a:br>
+            <a:endParaRPr lang="en-US" sz="1800" dirty="0"/>
           </a:p>
           <a:p>
             <a:r>
@@ -5964,12 +6209,20 @@
               <a:rPr lang="en-US" dirty="0"/>
               <a:t>Makerspace is a collaborative work space inside schools, libraries, or even separate public/private facility for making, learning, exploring and sharing that uses high tech to no tech tools.</a:t>
             </a:r>
+            <a:br>
+              <a:rPr lang="en-US" dirty="0"/>
+            </a:br>
+            <a:endParaRPr lang="en-US" dirty="0"/>
           </a:p>
           <a:p>
             <a:r>
               <a:rPr lang="en-US" dirty="0"/>
               <a:t>Makerspaces provide hands-on, creative ways to encourage students to design, experiment, build and invent as they deeply engage in science, engineering and tinkering.</a:t>
             </a:r>
+            <a:br>
+              <a:rPr lang="en-US" dirty="0"/>
+            </a:br>
+            <a:endParaRPr lang="en-US" dirty="0"/>
           </a:p>
           <a:p>
             <a:r>
@@ -6062,21 +6315,25 @@
               <a:rPr lang="en-US" dirty="0"/>
               <a:t>Scheduling spaces and materials</a:t>
             </a:r>
+            <a:br>
+              <a:rPr lang="en-US" dirty="0"/>
+            </a:br>
+            <a:endParaRPr lang="en-US" dirty="0"/>
           </a:p>
           <a:p>
             <a:r>
               <a:rPr lang="en-US" dirty="0"/>
               <a:t>Subscriptions so you don’t have to pay each time you walk in</a:t>
             </a:r>
-          </a:p>
-          <a:p>
-            <a:r>
-              <a:rPr lang="en-US"/>
-              <a:t>View available and </a:t>
-            </a:r>
-            <a:r>
+            <a:br>
               <a:rPr lang="en-US" dirty="0"/>
-              <a:t>scheduled spaces and materials, can also be used when restocking</a:t>
+            </a:br>
+            <a:endParaRPr lang="en-US" dirty="0"/>
+          </a:p>
+          <a:p>
+            <a:r>
+              <a:rPr lang="en-US" dirty="0"/>
+              <a:t>View available and scheduled spaces and materials, can also be used when restocking</a:t>
             </a:r>
           </a:p>
         </p:txBody>
